--- a/PowerPoint/00-02.pptx
+++ b/PowerPoint/00-02.pptx
@@ -256,7 +256,7 @@
           <a:p>
             <a:fld id="{47B1044E-5B5D-453D-B981-9F3E26A138E1}" type="datetimeFigureOut">
               <a:rPr lang="zh-CN" altLang="en-US" smtClean="0"/>
-              <a:t>2018/4/9</a:t>
+              <a:t>2018/4/10</a:t>
             </a:fld>
             <a:endParaRPr lang="zh-CN" altLang="en-US"/>
           </a:p>
@@ -426,7 +426,7 @@
           <a:p>
             <a:fld id="{47B1044E-5B5D-453D-B981-9F3E26A138E1}" type="datetimeFigureOut">
               <a:rPr lang="zh-CN" altLang="en-US" smtClean="0"/>
-              <a:t>2018/4/9</a:t>
+              <a:t>2018/4/10</a:t>
             </a:fld>
             <a:endParaRPr lang="zh-CN" altLang="en-US"/>
           </a:p>
@@ -606,7 +606,7 @@
           <a:p>
             <a:fld id="{47B1044E-5B5D-453D-B981-9F3E26A138E1}" type="datetimeFigureOut">
               <a:rPr lang="zh-CN" altLang="en-US" smtClean="0"/>
-              <a:t>2018/4/9</a:t>
+              <a:t>2018/4/10</a:t>
             </a:fld>
             <a:endParaRPr lang="zh-CN" altLang="en-US"/>
           </a:p>
@@ -776,7 +776,7 @@
           <a:p>
             <a:fld id="{47B1044E-5B5D-453D-B981-9F3E26A138E1}" type="datetimeFigureOut">
               <a:rPr lang="zh-CN" altLang="en-US" smtClean="0"/>
-              <a:t>2018/4/9</a:t>
+              <a:t>2018/4/10</a:t>
             </a:fld>
             <a:endParaRPr lang="zh-CN" altLang="en-US"/>
           </a:p>
@@ -1022,7 +1022,7 @@
           <a:p>
             <a:fld id="{47B1044E-5B5D-453D-B981-9F3E26A138E1}" type="datetimeFigureOut">
               <a:rPr lang="zh-CN" altLang="en-US" smtClean="0"/>
-              <a:t>2018/4/9</a:t>
+              <a:t>2018/4/10</a:t>
             </a:fld>
             <a:endParaRPr lang="zh-CN" altLang="en-US"/>
           </a:p>
@@ -1254,7 +1254,7 @@
           <a:p>
             <a:fld id="{47B1044E-5B5D-453D-B981-9F3E26A138E1}" type="datetimeFigureOut">
               <a:rPr lang="zh-CN" altLang="en-US" smtClean="0"/>
-              <a:t>2018/4/9</a:t>
+              <a:t>2018/4/10</a:t>
             </a:fld>
             <a:endParaRPr lang="zh-CN" altLang="en-US"/>
           </a:p>
@@ -1621,7 +1621,7 @@
           <a:p>
             <a:fld id="{47B1044E-5B5D-453D-B981-9F3E26A138E1}" type="datetimeFigureOut">
               <a:rPr lang="zh-CN" altLang="en-US" smtClean="0"/>
-              <a:t>2018/4/9</a:t>
+              <a:t>2018/4/10</a:t>
             </a:fld>
             <a:endParaRPr lang="zh-CN" altLang="en-US"/>
           </a:p>
@@ -1739,7 +1739,7 @@
           <a:p>
             <a:fld id="{47B1044E-5B5D-453D-B981-9F3E26A138E1}" type="datetimeFigureOut">
               <a:rPr lang="zh-CN" altLang="en-US" smtClean="0"/>
-              <a:t>2018/4/9</a:t>
+              <a:t>2018/4/10</a:t>
             </a:fld>
             <a:endParaRPr lang="zh-CN" altLang="en-US"/>
           </a:p>
@@ -1834,7 +1834,7 @@
           <a:p>
             <a:fld id="{47B1044E-5B5D-453D-B981-9F3E26A138E1}" type="datetimeFigureOut">
               <a:rPr lang="zh-CN" altLang="en-US" smtClean="0"/>
-              <a:t>2018/4/9</a:t>
+              <a:t>2018/4/10</a:t>
             </a:fld>
             <a:endParaRPr lang="zh-CN" altLang="en-US"/>
           </a:p>
@@ -2111,7 +2111,7 @@
           <a:p>
             <a:fld id="{47B1044E-5B5D-453D-B981-9F3E26A138E1}" type="datetimeFigureOut">
               <a:rPr lang="zh-CN" altLang="en-US" smtClean="0"/>
-              <a:t>2018/4/9</a:t>
+              <a:t>2018/4/10</a:t>
             </a:fld>
             <a:endParaRPr lang="zh-CN" altLang="en-US"/>
           </a:p>
@@ -2368,7 +2368,7 @@
           <a:p>
             <a:fld id="{47B1044E-5B5D-453D-B981-9F3E26A138E1}" type="datetimeFigureOut">
               <a:rPr lang="zh-CN" altLang="en-US" smtClean="0"/>
-              <a:t>2018/4/9</a:t>
+              <a:t>2018/4/10</a:t>
             </a:fld>
             <a:endParaRPr lang="zh-CN" altLang="en-US"/>
           </a:p>
@@ -2581,7 +2581,7 @@
           <a:p>
             <a:fld id="{47B1044E-5B5D-453D-B981-9F3E26A138E1}" type="datetimeFigureOut">
               <a:rPr lang="zh-CN" altLang="en-US" smtClean="0"/>
-              <a:t>2018/4/9</a:t>
+              <a:t>2018/4/10</a:t>
             </a:fld>
             <a:endParaRPr lang="zh-CN" altLang="en-US"/>
           </a:p>

--- a/PowerPoint/00-02.pptx
+++ b/PowerPoint/00-02.pptx
@@ -5,9 +5,11 @@
     <p:sldMasterId id="2147483660" r:id="rId1"/>
   </p:sldMasterIdLst>
   <p:sldIdLst>
-    <p:sldId id="256" r:id="rId2"/>
-    <p:sldId id="257" r:id="rId3"/>
-    <p:sldId id="258" r:id="rId4"/>
+    <p:sldId id="259" r:id="rId2"/>
+    <p:sldId id="256" r:id="rId3"/>
+    <p:sldId id="260" r:id="rId4"/>
+    <p:sldId id="257" r:id="rId5"/>
+    <p:sldId id="258" r:id="rId6"/>
   </p:sldIdLst>
   <p:sldSz cx="17279938" cy="9720263"/>
   <p:notesSz cx="6858000" cy="9144000"/>
@@ -256,7 +258,7 @@
           <a:p>
             <a:fld id="{47B1044E-5B5D-453D-B981-9F3E26A138E1}" type="datetimeFigureOut">
               <a:rPr lang="zh-CN" altLang="en-US" smtClean="0"/>
-              <a:t>2018/4/10</a:t>
+              <a:t>2018/4/13</a:t>
             </a:fld>
             <a:endParaRPr lang="zh-CN" altLang="en-US"/>
           </a:p>
@@ -426,7 +428,7 @@
           <a:p>
             <a:fld id="{47B1044E-5B5D-453D-B981-9F3E26A138E1}" type="datetimeFigureOut">
               <a:rPr lang="zh-CN" altLang="en-US" smtClean="0"/>
-              <a:t>2018/4/10</a:t>
+              <a:t>2018/4/13</a:t>
             </a:fld>
             <a:endParaRPr lang="zh-CN" altLang="en-US"/>
           </a:p>
@@ -606,7 +608,7 @@
           <a:p>
             <a:fld id="{47B1044E-5B5D-453D-B981-9F3E26A138E1}" type="datetimeFigureOut">
               <a:rPr lang="zh-CN" altLang="en-US" smtClean="0"/>
-              <a:t>2018/4/10</a:t>
+              <a:t>2018/4/13</a:t>
             </a:fld>
             <a:endParaRPr lang="zh-CN" altLang="en-US"/>
           </a:p>
@@ -776,7 +778,7 @@
           <a:p>
             <a:fld id="{47B1044E-5B5D-453D-B981-9F3E26A138E1}" type="datetimeFigureOut">
               <a:rPr lang="zh-CN" altLang="en-US" smtClean="0"/>
-              <a:t>2018/4/10</a:t>
+              <a:t>2018/4/13</a:t>
             </a:fld>
             <a:endParaRPr lang="zh-CN" altLang="en-US"/>
           </a:p>
@@ -1022,7 +1024,7 @@
           <a:p>
             <a:fld id="{47B1044E-5B5D-453D-B981-9F3E26A138E1}" type="datetimeFigureOut">
               <a:rPr lang="zh-CN" altLang="en-US" smtClean="0"/>
-              <a:t>2018/4/10</a:t>
+              <a:t>2018/4/13</a:t>
             </a:fld>
             <a:endParaRPr lang="zh-CN" altLang="en-US"/>
           </a:p>
@@ -1254,7 +1256,7 @@
           <a:p>
             <a:fld id="{47B1044E-5B5D-453D-B981-9F3E26A138E1}" type="datetimeFigureOut">
               <a:rPr lang="zh-CN" altLang="en-US" smtClean="0"/>
-              <a:t>2018/4/10</a:t>
+              <a:t>2018/4/13</a:t>
             </a:fld>
             <a:endParaRPr lang="zh-CN" altLang="en-US"/>
           </a:p>
@@ -1621,7 +1623,7 @@
           <a:p>
             <a:fld id="{47B1044E-5B5D-453D-B981-9F3E26A138E1}" type="datetimeFigureOut">
               <a:rPr lang="zh-CN" altLang="en-US" smtClean="0"/>
-              <a:t>2018/4/10</a:t>
+              <a:t>2018/4/13</a:t>
             </a:fld>
             <a:endParaRPr lang="zh-CN" altLang="en-US"/>
           </a:p>
@@ -1739,7 +1741,7 @@
           <a:p>
             <a:fld id="{47B1044E-5B5D-453D-B981-9F3E26A138E1}" type="datetimeFigureOut">
               <a:rPr lang="zh-CN" altLang="en-US" smtClean="0"/>
-              <a:t>2018/4/10</a:t>
+              <a:t>2018/4/13</a:t>
             </a:fld>
             <a:endParaRPr lang="zh-CN" altLang="en-US"/>
           </a:p>
@@ -1834,7 +1836,7 @@
           <a:p>
             <a:fld id="{47B1044E-5B5D-453D-B981-9F3E26A138E1}" type="datetimeFigureOut">
               <a:rPr lang="zh-CN" altLang="en-US" smtClean="0"/>
-              <a:t>2018/4/10</a:t>
+              <a:t>2018/4/13</a:t>
             </a:fld>
             <a:endParaRPr lang="zh-CN" altLang="en-US"/>
           </a:p>
@@ -2111,7 +2113,7 @@
           <a:p>
             <a:fld id="{47B1044E-5B5D-453D-B981-9F3E26A138E1}" type="datetimeFigureOut">
               <a:rPr lang="zh-CN" altLang="en-US" smtClean="0"/>
-              <a:t>2018/4/10</a:t>
+              <a:t>2018/4/13</a:t>
             </a:fld>
             <a:endParaRPr lang="zh-CN" altLang="en-US"/>
           </a:p>
@@ -2368,7 +2370,7 @@
           <a:p>
             <a:fld id="{47B1044E-5B5D-453D-B981-9F3E26A138E1}" type="datetimeFigureOut">
               <a:rPr lang="zh-CN" altLang="en-US" smtClean="0"/>
-              <a:t>2018/4/10</a:t>
+              <a:t>2018/4/13</a:t>
             </a:fld>
             <a:endParaRPr lang="zh-CN" altLang="en-US"/>
           </a:p>
@@ -2581,7 +2583,7 @@
           <a:p>
             <a:fld id="{47B1044E-5B5D-453D-B981-9F3E26A138E1}" type="datetimeFigureOut">
               <a:rPr lang="zh-CN" altLang="en-US" smtClean="0"/>
-              <a:t>2018/4/10</a:t>
+              <a:t>2018/4/13</a:t>
             </a:fld>
             <a:endParaRPr lang="zh-CN" altLang="en-US"/>
           </a:p>
@@ -2972,6 +2974,573 @@
 <file path=ppt/slides/slide1.xml><?xml version="1.0" encoding="utf-8"?>
 <p:sld xmlns:a="http://schemas.openxmlformats.org/drawingml/2006/main" xmlns:r="http://schemas.openxmlformats.org/officeDocument/2006/relationships" xmlns:p="http://schemas.openxmlformats.org/presentationml/2006/main">
   <p:cSld>
+    <p:spTree>
+      <p:nvGrpSpPr>
+        <p:cNvPr id="1" name=""/>
+        <p:cNvGrpSpPr/>
+        <p:nvPr/>
+      </p:nvGrpSpPr>
+      <p:grpSpPr>
+        <a:xfrm>
+          <a:off x="0" y="0"/>
+          <a:ext cx="0" cy="0"/>
+          <a:chOff x="0" y="0"/>
+          <a:chExt cx="0" cy="0"/>
+        </a:xfrm>
+      </p:grpSpPr>
+      <p:sp>
+        <p:nvSpPr>
+          <p:cNvPr id="2" name="矩形: 圆角 1">
+            <a:extLst>
+              <a:ext uri="{FF2B5EF4-FFF2-40B4-BE49-F238E27FC236}">
+                <a16:creationId xmlns:a16="http://schemas.microsoft.com/office/drawing/2014/main" id="{22F8BED5-7239-455E-92B4-248C998CB646}"/>
+              </a:ext>
+            </a:extLst>
+          </p:cNvPr>
+          <p:cNvSpPr/>
+          <p:nvPr/>
+        </p:nvSpPr>
+        <p:spPr>
+          <a:xfrm>
+            <a:off x="7937868" y="8403196"/>
+            <a:ext cx="1325797" cy="562630"/>
+          </a:xfrm>
+          <a:prstGeom prst="roundRect">
+            <a:avLst>
+              <a:gd name="adj" fmla="val 50000"/>
+            </a:avLst>
+          </a:prstGeom>
+          <a:solidFill>
+            <a:srgbClr val="00B050">
+              <a:alpha val="15000"/>
+            </a:srgbClr>
+          </a:solidFill>
+          <a:ln>
+            <a:noFill/>
+          </a:ln>
+        </p:spPr>
+        <p:style>
+          <a:lnRef idx="2">
+            <a:schemeClr val="accent1">
+              <a:shade val="50000"/>
+            </a:schemeClr>
+          </a:lnRef>
+          <a:fillRef idx="1">
+            <a:schemeClr val="accent1"/>
+          </a:fillRef>
+          <a:effectRef idx="0">
+            <a:schemeClr val="accent1"/>
+          </a:effectRef>
+          <a:fontRef idx="minor">
+            <a:schemeClr val="lt1"/>
+          </a:fontRef>
+        </p:style>
+        <p:txBody>
+          <a:bodyPr rtlCol="0" anchor="ctr"/>
+          <a:lstStyle/>
+          <a:p>
+            <a:pPr algn="ctr"/>
+            <a:endParaRPr lang="zh-CN" altLang="en-US"/>
+          </a:p>
+        </p:txBody>
+      </p:sp>
+      <p:sp>
+        <p:nvSpPr>
+          <p:cNvPr id="3" name="文本框 2">
+            <a:extLst>
+              <a:ext uri="{FF2B5EF4-FFF2-40B4-BE49-F238E27FC236}">
+                <a16:creationId xmlns:a16="http://schemas.microsoft.com/office/drawing/2014/main" id="{460B2AFA-A261-4DF6-B299-72E40190F6B9}"/>
+              </a:ext>
+            </a:extLst>
+          </p:cNvPr>
+          <p:cNvSpPr txBox="1"/>
+          <p:nvPr/>
+        </p:nvSpPr>
+        <p:spPr>
+          <a:xfrm>
+            <a:off x="5847077" y="2474929"/>
+            <a:ext cx="5840060" cy="1862048"/>
+          </a:xfrm>
+          <a:prstGeom prst="rect">
+            <a:avLst/>
+          </a:prstGeom>
+          <a:noFill/>
+        </p:spPr>
+        <p:txBody>
+          <a:bodyPr wrap="none" rtlCol="0">
+            <a:spAutoFit/>
+          </a:bodyPr>
+          <a:lstStyle/>
+          <a:p>
+            <a:r>
+              <a:rPr lang="en-US" altLang="zh-CN" sz="11500" i="1" dirty="0">
+                <a:solidFill>
+                  <a:srgbClr val="4C9955"/>
+                </a:solidFill>
+                <a:latin typeface="!!HelveticaBlack" panose="020B0603050302020204" pitchFamily="34" charset="0"/>
+              </a:rPr>
+              <a:t>HELLO!</a:t>
+            </a:r>
+            <a:endParaRPr lang="zh-CN" altLang="en-US" sz="11500" i="1" dirty="0">
+              <a:solidFill>
+                <a:srgbClr val="4C9955"/>
+              </a:solidFill>
+              <a:latin typeface="!!HelveticaBlack" panose="020B0603050302020204" pitchFamily="34" charset="0"/>
+            </a:endParaRPr>
+          </a:p>
+        </p:txBody>
+      </p:sp>
+      <p:sp>
+        <p:nvSpPr>
+          <p:cNvPr id="4" name="文本框 3">
+            <a:extLst>
+              <a:ext uri="{FF2B5EF4-FFF2-40B4-BE49-F238E27FC236}">
+                <a16:creationId xmlns:a16="http://schemas.microsoft.com/office/drawing/2014/main" id="{B3807DE5-2E09-4DB1-816A-1BA44011EAFC}"/>
+              </a:ext>
+            </a:extLst>
+          </p:cNvPr>
+          <p:cNvSpPr txBox="1"/>
+          <p:nvPr/>
+        </p:nvSpPr>
+        <p:spPr>
+          <a:xfrm>
+            <a:off x="6478953" y="4570477"/>
+            <a:ext cx="4323620" cy="461665"/>
+          </a:xfrm>
+          <a:prstGeom prst="rect">
+            <a:avLst/>
+          </a:prstGeom>
+          <a:noFill/>
+        </p:spPr>
+        <p:txBody>
+          <a:bodyPr wrap="none" rtlCol="0">
+            <a:spAutoFit/>
+          </a:bodyPr>
+          <a:lstStyle/>
+          <a:p>
+            <a:r>
+              <a:rPr lang="en-US" altLang="zh-CN" sz="2400" i="1" dirty="0">
+                <a:solidFill>
+                  <a:srgbClr val="4C9955"/>
+                </a:solidFill>
+                <a:latin typeface="!!Helvetica" pitchFamily="2" charset="0"/>
+              </a:rPr>
+              <a:t>Nice to meet you, I am </a:t>
+            </a:r>
+            <a:r>
+              <a:rPr lang="en-US" altLang="zh-CN" sz="2400" i="1" dirty="0" err="1">
+                <a:solidFill>
+                  <a:srgbClr val="4C9955"/>
+                </a:solidFill>
+                <a:latin typeface="!!Helvetica" pitchFamily="2" charset="0"/>
+              </a:rPr>
+              <a:t>XieWei</a:t>
+            </a:r>
+            <a:endParaRPr lang="zh-CN" altLang="en-US" sz="2400" i="1" dirty="0">
+              <a:solidFill>
+                <a:srgbClr val="4C9955"/>
+              </a:solidFill>
+              <a:latin typeface="!!Helvetica" pitchFamily="2" charset="0"/>
+            </a:endParaRPr>
+          </a:p>
+        </p:txBody>
+      </p:sp>
+      <p:grpSp>
+        <p:nvGrpSpPr>
+          <p:cNvPr id="5" name="组合 4">
+            <a:extLst>
+              <a:ext uri="{FF2B5EF4-FFF2-40B4-BE49-F238E27FC236}">
+                <a16:creationId xmlns:a16="http://schemas.microsoft.com/office/drawing/2014/main" id="{BF9B2457-D319-45AB-A049-34F9A879CC9C}"/>
+              </a:ext>
+            </a:extLst>
+          </p:cNvPr>
+          <p:cNvGrpSpPr/>
+          <p:nvPr/>
+        </p:nvGrpSpPr>
+        <p:grpSpPr>
+          <a:xfrm>
+            <a:off x="8172250" y="6085867"/>
+            <a:ext cx="864000" cy="1440000"/>
+            <a:chOff x="8208763" y="5752038"/>
+            <a:chExt cx="864000" cy="1440000"/>
+          </a:xfrm>
+        </p:grpSpPr>
+        <p:sp>
+          <p:nvSpPr>
+            <p:cNvPr id="6" name="矩形: 圆角 5">
+              <a:extLst>
+                <a:ext uri="{FF2B5EF4-FFF2-40B4-BE49-F238E27FC236}">
+                  <a16:creationId xmlns:a16="http://schemas.microsoft.com/office/drawing/2014/main" id="{7A714C5E-859E-4F7A-9DAD-5FD6C5150879}"/>
+                </a:ext>
+              </a:extLst>
+            </p:cNvPr>
+            <p:cNvSpPr/>
+            <p:nvPr/>
+          </p:nvSpPr>
+          <p:spPr>
+            <a:xfrm>
+              <a:off x="8208763" y="5752038"/>
+              <a:ext cx="864000" cy="1440000"/>
+            </a:xfrm>
+            <a:prstGeom prst="roundRect">
+              <a:avLst>
+                <a:gd name="adj" fmla="val 50000"/>
+              </a:avLst>
+            </a:prstGeom>
+            <a:noFill/>
+            <a:ln w="25400">
+              <a:solidFill>
+                <a:srgbClr val="00B050"/>
+              </a:solidFill>
+            </a:ln>
+          </p:spPr>
+          <p:style>
+            <a:lnRef idx="2">
+              <a:schemeClr val="accent1">
+                <a:shade val="50000"/>
+              </a:schemeClr>
+            </a:lnRef>
+            <a:fillRef idx="1">
+              <a:schemeClr val="accent1"/>
+            </a:fillRef>
+            <a:effectRef idx="0">
+              <a:schemeClr val="accent1"/>
+            </a:effectRef>
+            <a:fontRef idx="minor">
+              <a:schemeClr val="lt1"/>
+            </a:fontRef>
+          </p:style>
+          <p:txBody>
+            <a:bodyPr rtlCol="0" anchor="ctr"/>
+            <a:lstStyle/>
+            <a:p>
+              <a:pPr algn="ctr"/>
+              <a:endParaRPr lang="zh-CN" altLang="en-US"/>
+            </a:p>
+          </p:txBody>
+        </p:sp>
+        <p:sp>
+          <p:nvSpPr>
+            <p:cNvPr id="7" name="椭圆 6">
+              <a:extLst>
+                <a:ext uri="{FF2B5EF4-FFF2-40B4-BE49-F238E27FC236}">
+                  <a16:creationId xmlns:a16="http://schemas.microsoft.com/office/drawing/2014/main" id="{B75FAB61-86EF-4B7D-BB3B-6D7E61F725E8}"/>
+                </a:ext>
+              </a:extLst>
+            </p:cNvPr>
+            <p:cNvSpPr/>
+            <p:nvPr/>
+          </p:nvSpPr>
+          <p:spPr>
+            <a:xfrm>
+              <a:off x="8531969" y="6364038"/>
+              <a:ext cx="216000" cy="216000"/>
+            </a:xfrm>
+            <a:prstGeom prst="ellipse">
+              <a:avLst/>
+            </a:prstGeom>
+            <a:solidFill>
+              <a:srgbClr val="00B050"/>
+            </a:solidFill>
+            <a:ln>
+              <a:noFill/>
+            </a:ln>
+          </p:spPr>
+          <p:style>
+            <a:lnRef idx="2">
+              <a:schemeClr val="accent1">
+                <a:shade val="50000"/>
+              </a:schemeClr>
+            </a:lnRef>
+            <a:fillRef idx="1">
+              <a:schemeClr val="accent1"/>
+            </a:fillRef>
+            <a:effectRef idx="0">
+              <a:schemeClr val="accent1"/>
+            </a:effectRef>
+            <a:fontRef idx="minor">
+              <a:schemeClr val="lt1"/>
+            </a:fontRef>
+          </p:style>
+          <p:txBody>
+            <a:bodyPr rtlCol="0" anchor="ctr"/>
+            <a:lstStyle/>
+            <a:p>
+              <a:pPr algn="ctr"/>
+              <a:endParaRPr lang="zh-CN" altLang="en-US"/>
+            </a:p>
+          </p:txBody>
+        </p:sp>
+      </p:grpSp>
+      <p:sp>
+        <p:nvSpPr>
+          <p:cNvPr id="8" name="椭圆 7">
+            <a:extLst>
+              <a:ext uri="{FF2B5EF4-FFF2-40B4-BE49-F238E27FC236}">
+                <a16:creationId xmlns:a16="http://schemas.microsoft.com/office/drawing/2014/main" id="{2964DF47-A29A-4D69-99D9-09B9063DA89F}"/>
+              </a:ext>
+            </a:extLst>
+          </p:cNvPr>
+          <p:cNvSpPr/>
+          <p:nvPr/>
+        </p:nvSpPr>
+        <p:spPr>
+          <a:xfrm>
+            <a:off x="-4598197" y="925"/>
+            <a:ext cx="9720000" cy="9720000"/>
+          </a:xfrm>
+          <a:prstGeom prst="ellipse">
+            <a:avLst/>
+          </a:prstGeom>
+          <a:solidFill>
+            <a:srgbClr val="00B050">
+              <a:alpha val="15000"/>
+            </a:srgbClr>
+          </a:solidFill>
+          <a:ln>
+            <a:noFill/>
+          </a:ln>
+        </p:spPr>
+        <p:style>
+          <a:lnRef idx="2">
+            <a:schemeClr val="accent1">
+              <a:shade val="50000"/>
+            </a:schemeClr>
+          </a:lnRef>
+          <a:fillRef idx="1">
+            <a:schemeClr val="accent1"/>
+          </a:fillRef>
+          <a:effectRef idx="0">
+            <a:schemeClr val="accent1"/>
+          </a:effectRef>
+          <a:fontRef idx="minor">
+            <a:schemeClr val="lt1"/>
+          </a:fontRef>
+        </p:style>
+        <p:txBody>
+          <a:bodyPr rtlCol="0" anchor="ctr"/>
+          <a:lstStyle/>
+          <a:p>
+            <a:pPr algn="ctr"/>
+            <a:endParaRPr lang="zh-CN" altLang="en-US"/>
+          </a:p>
+        </p:txBody>
+      </p:sp>
+      <p:sp>
+        <p:nvSpPr>
+          <p:cNvPr id="9" name="文本框 8">
+            <a:extLst>
+              <a:ext uri="{FF2B5EF4-FFF2-40B4-BE49-F238E27FC236}">
+                <a16:creationId xmlns:a16="http://schemas.microsoft.com/office/drawing/2014/main" id="{ED05BFC3-B265-4DE8-9339-6267A44914B0}"/>
+              </a:ext>
+            </a:extLst>
+          </p:cNvPr>
+          <p:cNvSpPr txBox="1"/>
+          <p:nvPr/>
+        </p:nvSpPr>
+        <p:spPr>
+          <a:xfrm>
+            <a:off x="8088861" y="865890"/>
+            <a:ext cx="1075936" cy="338554"/>
+          </a:xfrm>
+          <a:prstGeom prst="rect">
+            <a:avLst/>
+          </a:prstGeom>
+          <a:noFill/>
+        </p:spPr>
+        <p:txBody>
+          <a:bodyPr wrap="none" rtlCol="0">
+            <a:spAutoFit/>
+          </a:bodyPr>
+          <a:lstStyle/>
+          <a:p>
+            <a:r>
+              <a:rPr lang="en-US" altLang="zh-CN" sz="1600" dirty="0">
+                <a:solidFill>
+                  <a:srgbClr val="00B050"/>
+                </a:solidFill>
+                <a:latin typeface="方正兰亭黑简体" panose="02000000000000000000" pitchFamily="2" charset="-122"/>
+                <a:ea typeface="方正兰亭黑简体" panose="02000000000000000000" pitchFamily="2" charset="-122"/>
+              </a:rPr>
+              <a:t>VOL.002</a:t>
+            </a:r>
+            <a:endParaRPr lang="zh-CN" altLang="en-US" sz="1600" dirty="0">
+              <a:solidFill>
+                <a:srgbClr val="00B050"/>
+              </a:solidFill>
+              <a:latin typeface="方正兰亭黑简体" panose="02000000000000000000" pitchFamily="2" charset="-122"/>
+              <a:ea typeface="方正兰亭黑简体" panose="02000000000000000000" pitchFamily="2" charset="-122"/>
+            </a:endParaRPr>
+          </a:p>
+        </p:txBody>
+      </p:sp>
+      <p:cxnSp>
+        <p:nvCxnSpPr>
+          <p:cNvPr id="10" name="直接连接符 9">
+            <a:extLst>
+              <a:ext uri="{FF2B5EF4-FFF2-40B4-BE49-F238E27FC236}">
+                <a16:creationId xmlns:a16="http://schemas.microsoft.com/office/drawing/2014/main" id="{A45D29D4-0CDD-43D5-9C03-9D31E627B8E8}"/>
+              </a:ext>
+            </a:extLst>
+          </p:cNvPr>
+          <p:cNvCxnSpPr>
+            <a:cxnSpLocks/>
+          </p:cNvCxnSpPr>
+          <p:nvPr/>
+        </p:nvCxnSpPr>
+        <p:spPr>
+          <a:xfrm>
+            <a:off x="8052162" y="1330808"/>
+            <a:ext cx="1104175" cy="0"/>
+          </a:xfrm>
+          <a:prstGeom prst="line">
+            <a:avLst/>
+          </a:prstGeom>
+          <a:ln>
+            <a:solidFill>
+              <a:srgbClr val="00B050"/>
+            </a:solidFill>
+          </a:ln>
+        </p:spPr>
+        <p:style>
+          <a:lnRef idx="1">
+            <a:schemeClr val="accent1"/>
+          </a:lnRef>
+          <a:fillRef idx="0">
+            <a:schemeClr val="accent1"/>
+          </a:fillRef>
+          <a:effectRef idx="0">
+            <a:schemeClr val="accent1"/>
+          </a:effectRef>
+          <a:fontRef idx="minor">
+            <a:schemeClr val="tx1"/>
+          </a:fontRef>
+        </p:style>
+      </p:cxnSp>
+      <p:sp>
+        <p:nvSpPr>
+          <p:cNvPr id="11" name="椭圆 10">
+            <a:extLst>
+              <a:ext uri="{FF2B5EF4-FFF2-40B4-BE49-F238E27FC236}">
+                <a16:creationId xmlns:a16="http://schemas.microsoft.com/office/drawing/2014/main" id="{70399BBD-3B94-44E9-A670-67F6D216AA8C}"/>
+              </a:ext>
+            </a:extLst>
+          </p:cNvPr>
+          <p:cNvSpPr/>
+          <p:nvPr/>
+        </p:nvSpPr>
+        <p:spPr>
+          <a:xfrm>
+            <a:off x="13044287" y="0"/>
+            <a:ext cx="9720000" cy="9720000"/>
+          </a:xfrm>
+          <a:prstGeom prst="ellipse">
+            <a:avLst/>
+          </a:prstGeom>
+          <a:solidFill>
+            <a:srgbClr val="00B050">
+              <a:alpha val="15000"/>
+            </a:srgbClr>
+          </a:solidFill>
+          <a:ln>
+            <a:noFill/>
+          </a:ln>
+        </p:spPr>
+        <p:style>
+          <a:lnRef idx="2">
+            <a:schemeClr val="accent1">
+              <a:shade val="50000"/>
+            </a:schemeClr>
+          </a:lnRef>
+          <a:fillRef idx="1">
+            <a:schemeClr val="accent1"/>
+          </a:fillRef>
+          <a:effectRef idx="0">
+            <a:schemeClr val="accent1"/>
+          </a:effectRef>
+          <a:fontRef idx="minor">
+            <a:schemeClr val="lt1"/>
+          </a:fontRef>
+        </p:style>
+        <p:txBody>
+          <a:bodyPr rtlCol="0" anchor="ctr"/>
+          <a:lstStyle/>
+          <a:p>
+            <a:pPr algn="ctr"/>
+            <a:endParaRPr lang="zh-CN" altLang="en-US"/>
+          </a:p>
+        </p:txBody>
+      </p:sp>
+      <p:sp>
+        <p:nvSpPr>
+          <p:cNvPr id="12" name="文本框 11">
+            <a:extLst>
+              <a:ext uri="{FF2B5EF4-FFF2-40B4-BE49-F238E27FC236}">
+                <a16:creationId xmlns:a16="http://schemas.microsoft.com/office/drawing/2014/main" id="{42F5FDF7-0A7F-4B4B-A7D7-2540FF4C6BB9}"/>
+              </a:ext>
+            </a:extLst>
+          </p:cNvPr>
+          <p:cNvSpPr txBox="1"/>
+          <p:nvPr/>
+        </p:nvSpPr>
+        <p:spPr>
+          <a:xfrm>
+            <a:off x="8115247" y="8467515"/>
+            <a:ext cx="1027845" cy="400110"/>
+          </a:xfrm>
+          <a:prstGeom prst="rect">
+            <a:avLst/>
+          </a:prstGeom>
+          <a:noFill/>
+        </p:spPr>
+        <p:txBody>
+          <a:bodyPr wrap="none" rtlCol="0">
+            <a:spAutoFit/>
+          </a:bodyPr>
+          <a:lstStyle/>
+          <a:p>
+            <a:r>
+              <a:rPr lang="en-US" altLang="zh-CN" sz="2000" dirty="0" err="1">
+                <a:solidFill>
+                  <a:schemeClr val="tx1">
+                    <a:lumMod val="65000"/>
+                    <a:lumOff val="35000"/>
+                  </a:schemeClr>
+                </a:solidFill>
+                <a:latin typeface="方正兰亭黑简体" panose="02000000000000000000" pitchFamily="2" charset="-122"/>
+                <a:ea typeface="方正兰亭黑简体" panose="02000000000000000000" pitchFamily="2" charset="-122"/>
+              </a:rPr>
+              <a:t>golang</a:t>
+            </a:r>
+            <a:endParaRPr lang="zh-CN" altLang="en-US" sz="2000" dirty="0">
+              <a:solidFill>
+                <a:schemeClr val="tx1">
+                  <a:lumMod val="65000"/>
+                  <a:lumOff val="35000"/>
+                </a:schemeClr>
+              </a:solidFill>
+              <a:latin typeface="方正兰亭黑简体" panose="02000000000000000000" pitchFamily="2" charset="-122"/>
+              <a:ea typeface="方正兰亭黑简体" panose="02000000000000000000" pitchFamily="2" charset="-122"/>
+            </a:endParaRPr>
+          </a:p>
+        </p:txBody>
+      </p:sp>
+    </p:spTree>
+    <p:extLst>
+      <p:ext uri="{BB962C8B-B14F-4D97-AF65-F5344CB8AC3E}">
+        <p14:creationId xmlns:p14="http://schemas.microsoft.com/office/powerpoint/2010/main" val="3810859212"/>
+      </p:ext>
+    </p:extLst>
+  </p:cSld>
+  <p:clrMapOvr>
+    <a:masterClrMapping/>
+  </p:clrMapOvr>
+</p:sld>
+</file>
+
+<file path=ppt/slides/slide2.xml><?xml version="1.0" encoding="utf-8"?>
+<p:sld xmlns:a="http://schemas.openxmlformats.org/drawingml/2006/main" xmlns:r="http://schemas.openxmlformats.org/officeDocument/2006/relationships" xmlns:p="http://schemas.openxmlformats.org/presentationml/2006/main">
+  <p:cSld>
     <p:bg>
       <p:bgPr>
         <a:solidFill>
@@ -3914,7 +4483,979 @@
 </p:sld>
 </file>
 
-<file path=ppt/slides/slide2.xml><?xml version="1.0" encoding="utf-8"?>
+<file path=ppt/slides/slide3.xml><?xml version="1.0" encoding="utf-8"?>
+<p:sld xmlns:a="http://schemas.openxmlformats.org/drawingml/2006/main" xmlns:r="http://schemas.openxmlformats.org/officeDocument/2006/relationships" xmlns:p="http://schemas.openxmlformats.org/presentationml/2006/main">
+  <p:cSld>
+    <p:bg>
+      <p:bgPr>
+        <a:solidFill>
+          <a:srgbClr val="E2E7EB"/>
+        </a:solidFill>
+        <a:effectLst/>
+      </p:bgPr>
+    </p:bg>
+    <p:spTree>
+      <p:nvGrpSpPr>
+        <p:cNvPr id="1" name=""/>
+        <p:cNvGrpSpPr/>
+        <p:nvPr/>
+      </p:nvGrpSpPr>
+      <p:grpSpPr>
+        <a:xfrm>
+          <a:off x="0" y="0"/>
+          <a:ext cx="0" cy="0"/>
+          <a:chOff x="0" y="0"/>
+          <a:chExt cx="0" cy="0"/>
+        </a:xfrm>
+      </p:grpSpPr>
+      <p:sp>
+        <p:nvSpPr>
+          <p:cNvPr id="26" name="矩形: 圆角 25">
+            <a:extLst>
+              <a:ext uri="{FF2B5EF4-FFF2-40B4-BE49-F238E27FC236}">
+                <a16:creationId xmlns:a16="http://schemas.microsoft.com/office/drawing/2014/main" id="{04AA21EA-C3BC-44EB-ACB2-B3CE81AFD6C7}"/>
+              </a:ext>
+            </a:extLst>
+          </p:cNvPr>
+          <p:cNvSpPr/>
+          <p:nvPr/>
+        </p:nvSpPr>
+        <p:spPr>
+          <a:xfrm>
+            <a:off x="1399126" y="983853"/>
+            <a:ext cx="14481686" cy="7681119"/>
+          </a:xfrm>
+          <a:prstGeom prst="roundRect">
+            <a:avLst>
+              <a:gd name="adj" fmla="val 4674"/>
+            </a:avLst>
+          </a:prstGeom>
+          <a:solidFill>
+            <a:srgbClr val="FFFFFF"/>
+          </a:solidFill>
+          <a:ln>
+            <a:noFill/>
+          </a:ln>
+        </p:spPr>
+        <p:style>
+          <a:lnRef idx="2">
+            <a:schemeClr val="accent1">
+              <a:shade val="50000"/>
+            </a:schemeClr>
+          </a:lnRef>
+          <a:fillRef idx="1">
+            <a:schemeClr val="accent1"/>
+          </a:fillRef>
+          <a:effectRef idx="0">
+            <a:schemeClr val="accent1"/>
+          </a:effectRef>
+          <a:fontRef idx="minor">
+            <a:schemeClr val="lt1"/>
+          </a:fontRef>
+        </p:style>
+        <p:txBody>
+          <a:bodyPr rtlCol="0" anchor="ctr"/>
+          <a:lstStyle/>
+          <a:p>
+            <a:pPr algn="ctr"/>
+            <a:endParaRPr lang="zh-CN" altLang="en-US"/>
+          </a:p>
+        </p:txBody>
+      </p:sp>
+      <p:sp>
+        <p:nvSpPr>
+          <p:cNvPr id="28" name="文本框 27">
+            <a:extLst>
+              <a:ext uri="{FF2B5EF4-FFF2-40B4-BE49-F238E27FC236}">
+                <a16:creationId xmlns:a16="http://schemas.microsoft.com/office/drawing/2014/main" id="{ACC5172E-011D-4E22-8858-59A79952C25D}"/>
+              </a:ext>
+            </a:extLst>
+          </p:cNvPr>
+          <p:cNvSpPr txBox="1"/>
+          <p:nvPr/>
+        </p:nvSpPr>
+        <p:spPr>
+          <a:xfrm>
+            <a:off x="2401957" y="1894107"/>
+            <a:ext cx="2946640" cy="1015663"/>
+          </a:xfrm>
+          <a:prstGeom prst="rect">
+            <a:avLst/>
+          </a:prstGeom>
+          <a:noFill/>
+        </p:spPr>
+        <p:txBody>
+          <a:bodyPr wrap="none" rtlCol="0">
+            <a:spAutoFit/>
+          </a:bodyPr>
+          <a:lstStyle/>
+          <a:p>
+            <a:r>
+              <a:rPr lang="zh-CN" altLang="en-US" sz="6000" dirty="0">
+                <a:solidFill>
+                  <a:srgbClr val="00B050"/>
+                </a:solidFill>
+                <a:latin typeface="苹方 特粗" panose="020B0800000000000000" pitchFamily="34" charset="-122"/>
+                <a:ea typeface="苹方 特粗" panose="020B0800000000000000" pitchFamily="34" charset="-122"/>
+              </a:rPr>
+              <a:t>简书</a:t>
+            </a:r>
+            <a:r>
+              <a:rPr lang="en-US" altLang="zh-CN" sz="6000" dirty="0">
+                <a:solidFill>
+                  <a:srgbClr val="00B050"/>
+                </a:solidFill>
+                <a:latin typeface="苹方 特粗" panose="020B0800000000000000" pitchFamily="34" charset="-122"/>
+                <a:ea typeface="苹方 特粗" panose="020B0800000000000000" pitchFamily="34" charset="-122"/>
+              </a:rPr>
+              <a:t>API</a:t>
+            </a:r>
+            <a:endParaRPr lang="zh-CN" altLang="en-US" sz="6000" dirty="0">
+              <a:solidFill>
+                <a:srgbClr val="00B050"/>
+              </a:solidFill>
+              <a:latin typeface="苹方 特粗" panose="020B0800000000000000" pitchFamily="34" charset="-122"/>
+              <a:ea typeface="苹方 特粗" panose="020B0800000000000000" pitchFamily="34" charset="-122"/>
+            </a:endParaRPr>
+          </a:p>
+        </p:txBody>
+      </p:sp>
+      <p:sp>
+        <p:nvSpPr>
+          <p:cNvPr id="29" name="文本框 28">
+            <a:extLst>
+              <a:ext uri="{FF2B5EF4-FFF2-40B4-BE49-F238E27FC236}">
+                <a16:creationId xmlns:a16="http://schemas.microsoft.com/office/drawing/2014/main" id="{9086FB6F-8C04-4251-A5F8-9A59302A669F}"/>
+              </a:ext>
+            </a:extLst>
+          </p:cNvPr>
+          <p:cNvSpPr txBox="1"/>
+          <p:nvPr/>
+        </p:nvSpPr>
+        <p:spPr>
+          <a:xfrm>
+            <a:off x="2534479" y="3165162"/>
+            <a:ext cx="3057938" cy="542136"/>
+          </a:xfrm>
+          <a:prstGeom prst="rect">
+            <a:avLst/>
+          </a:prstGeom>
+          <a:noFill/>
+        </p:spPr>
+        <p:txBody>
+          <a:bodyPr wrap="square" rtlCol="0">
+            <a:spAutoFit/>
+          </a:bodyPr>
+          <a:lstStyle/>
+          <a:p>
+            <a:pPr algn="dist">
+              <a:lnSpc>
+                <a:spcPct val="130000"/>
+              </a:lnSpc>
+            </a:pPr>
+            <a:r>
+              <a:rPr lang="en-US" altLang="zh-CN" sz="2400" dirty="0" err="1">
+                <a:solidFill>
+                  <a:srgbClr val="00B050"/>
+                </a:solidFill>
+                <a:latin typeface="苹方-简" panose="020B0400000000000000" pitchFamily="34" charset="-128"/>
+                <a:ea typeface="苹方-简" panose="020B0400000000000000" pitchFamily="34" charset="-128"/>
+              </a:rPr>
+              <a:t>Goquery</a:t>
+            </a:r>
+            <a:r>
+              <a:rPr lang="en-US" altLang="zh-CN" sz="2400" dirty="0">
+                <a:solidFill>
+                  <a:srgbClr val="00B050"/>
+                </a:solidFill>
+                <a:latin typeface="苹方-简" panose="020B0400000000000000" pitchFamily="34" charset="-128"/>
+                <a:ea typeface="苹方-简" panose="020B0400000000000000" pitchFamily="34" charset="-128"/>
+              </a:rPr>
+              <a:t> </a:t>
+            </a:r>
+            <a:r>
+              <a:rPr lang="zh-CN" altLang="en-US" sz="2400" dirty="0">
+                <a:solidFill>
+                  <a:srgbClr val="00B050"/>
+                </a:solidFill>
+                <a:latin typeface="苹方-简" panose="020B0400000000000000" pitchFamily="34" charset="-128"/>
+                <a:ea typeface="苹方-简" panose="020B0400000000000000" pitchFamily="34" charset="-128"/>
+              </a:rPr>
+              <a:t>用法介绍</a:t>
+            </a:r>
+          </a:p>
+        </p:txBody>
+      </p:sp>
+      <p:sp>
+        <p:nvSpPr>
+          <p:cNvPr id="30" name="椭圆 29">
+            <a:extLst>
+              <a:ext uri="{FF2B5EF4-FFF2-40B4-BE49-F238E27FC236}">
+                <a16:creationId xmlns:a16="http://schemas.microsoft.com/office/drawing/2014/main" id="{851A41C2-F688-48B8-B29B-4384EB4D7E84}"/>
+              </a:ext>
+            </a:extLst>
+          </p:cNvPr>
+          <p:cNvSpPr/>
+          <p:nvPr/>
+        </p:nvSpPr>
+        <p:spPr>
+          <a:xfrm>
+            <a:off x="2667000" y="6906867"/>
+            <a:ext cx="720000" cy="720000"/>
+          </a:xfrm>
+          <a:prstGeom prst="ellipse">
+            <a:avLst/>
+          </a:prstGeom>
+          <a:solidFill>
+            <a:srgbClr val="00B050">
+              <a:alpha val="55000"/>
+            </a:srgbClr>
+          </a:solidFill>
+          <a:ln>
+            <a:noFill/>
+          </a:ln>
+        </p:spPr>
+        <p:style>
+          <a:lnRef idx="2">
+            <a:schemeClr val="accent1">
+              <a:shade val="50000"/>
+            </a:schemeClr>
+          </a:lnRef>
+          <a:fillRef idx="1">
+            <a:schemeClr val="accent1"/>
+          </a:fillRef>
+          <a:effectRef idx="0">
+            <a:schemeClr val="accent1"/>
+          </a:effectRef>
+          <a:fontRef idx="minor">
+            <a:schemeClr val="lt1"/>
+          </a:fontRef>
+        </p:style>
+        <p:txBody>
+          <a:bodyPr rtlCol="0" anchor="ctr"/>
+          <a:lstStyle/>
+          <a:p>
+            <a:pPr algn="ctr"/>
+            <a:endParaRPr lang="zh-CN" altLang="en-US"/>
+          </a:p>
+        </p:txBody>
+      </p:sp>
+      <p:sp>
+        <p:nvSpPr>
+          <p:cNvPr id="31" name="矩形: 圆角 30">
+            <a:extLst>
+              <a:ext uri="{FF2B5EF4-FFF2-40B4-BE49-F238E27FC236}">
+                <a16:creationId xmlns:a16="http://schemas.microsoft.com/office/drawing/2014/main" id="{51BD0597-AB5F-4793-846A-5AEA720163CB}"/>
+              </a:ext>
+            </a:extLst>
+          </p:cNvPr>
+          <p:cNvSpPr/>
+          <p:nvPr/>
+        </p:nvSpPr>
+        <p:spPr>
+          <a:xfrm>
+            <a:off x="7673113" y="6942867"/>
+            <a:ext cx="2160000" cy="648000"/>
+          </a:xfrm>
+          <a:prstGeom prst="roundRect">
+            <a:avLst>
+              <a:gd name="adj" fmla="val 50000"/>
+            </a:avLst>
+          </a:prstGeom>
+          <a:solidFill>
+            <a:srgbClr val="73D49F"/>
+          </a:solidFill>
+          <a:ln>
+            <a:solidFill>
+              <a:schemeClr val="bg1"/>
+            </a:solidFill>
+          </a:ln>
+        </p:spPr>
+        <p:style>
+          <a:lnRef idx="2">
+            <a:schemeClr val="accent1">
+              <a:shade val="50000"/>
+            </a:schemeClr>
+          </a:lnRef>
+          <a:fillRef idx="1">
+            <a:schemeClr val="accent1"/>
+          </a:fillRef>
+          <a:effectRef idx="0">
+            <a:schemeClr val="accent1"/>
+          </a:effectRef>
+          <a:fontRef idx="minor">
+            <a:schemeClr val="lt1"/>
+          </a:fontRef>
+        </p:style>
+        <p:txBody>
+          <a:bodyPr rtlCol="0" anchor="ctr"/>
+          <a:lstStyle/>
+          <a:p>
+            <a:pPr algn="ctr"/>
+            <a:endParaRPr lang="zh-CN" altLang="en-US"/>
+          </a:p>
+        </p:txBody>
+      </p:sp>
+      <p:sp>
+        <p:nvSpPr>
+          <p:cNvPr id="32" name="弧形 31">
+            <a:extLst>
+              <a:ext uri="{FF2B5EF4-FFF2-40B4-BE49-F238E27FC236}">
+                <a16:creationId xmlns:a16="http://schemas.microsoft.com/office/drawing/2014/main" id="{9F051858-289B-4F36-A3F2-B9CA393A776F}"/>
+              </a:ext>
+            </a:extLst>
+          </p:cNvPr>
+          <p:cNvSpPr/>
+          <p:nvPr/>
+        </p:nvSpPr>
+        <p:spPr>
+          <a:xfrm>
+            <a:off x="2307000" y="7258634"/>
+            <a:ext cx="720000" cy="720000"/>
+          </a:xfrm>
+          <a:prstGeom prst="arc">
+            <a:avLst/>
+          </a:prstGeom>
+          <a:ln>
+            <a:solidFill>
+              <a:schemeClr val="bg1"/>
+            </a:solidFill>
+          </a:ln>
+        </p:spPr>
+        <p:style>
+          <a:lnRef idx="1">
+            <a:schemeClr val="accent1"/>
+          </a:lnRef>
+          <a:fillRef idx="0">
+            <a:schemeClr val="accent1"/>
+          </a:fillRef>
+          <a:effectRef idx="0">
+            <a:schemeClr val="accent1"/>
+          </a:effectRef>
+          <a:fontRef idx="minor">
+            <a:schemeClr val="tx1"/>
+          </a:fontRef>
+        </p:style>
+        <p:txBody>
+          <a:bodyPr rtlCol="0" anchor="ctr"/>
+          <a:lstStyle/>
+          <a:p>
+            <a:pPr algn="ctr"/>
+            <a:endParaRPr lang="zh-CN" altLang="en-US"/>
+          </a:p>
+        </p:txBody>
+      </p:sp>
+      <p:sp>
+        <p:nvSpPr>
+          <p:cNvPr id="33" name="弧形 32">
+            <a:extLst>
+              <a:ext uri="{FF2B5EF4-FFF2-40B4-BE49-F238E27FC236}">
+                <a16:creationId xmlns:a16="http://schemas.microsoft.com/office/drawing/2014/main" id="{4FAFC809-DD52-4D3E-B712-0AC18092CF06}"/>
+              </a:ext>
+            </a:extLst>
+          </p:cNvPr>
+          <p:cNvSpPr/>
+          <p:nvPr/>
+        </p:nvSpPr>
+        <p:spPr>
+          <a:xfrm rot="11032779">
+            <a:off x="3052399" y="6578633"/>
+            <a:ext cx="720000" cy="720000"/>
+          </a:xfrm>
+          <a:prstGeom prst="arc">
+            <a:avLst/>
+          </a:prstGeom>
+          <a:ln>
+            <a:solidFill>
+              <a:schemeClr val="bg1"/>
+            </a:solidFill>
+          </a:ln>
+        </p:spPr>
+        <p:style>
+          <a:lnRef idx="1">
+            <a:schemeClr val="accent1"/>
+          </a:lnRef>
+          <a:fillRef idx="0">
+            <a:schemeClr val="accent1"/>
+          </a:fillRef>
+          <a:effectRef idx="0">
+            <a:schemeClr val="accent1"/>
+          </a:effectRef>
+          <a:fontRef idx="minor">
+            <a:schemeClr val="tx1"/>
+          </a:fontRef>
+        </p:style>
+        <p:txBody>
+          <a:bodyPr rtlCol="0" anchor="ctr"/>
+          <a:lstStyle/>
+          <a:p>
+            <a:pPr algn="ctr"/>
+            <a:endParaRPr lang="zh-CN" altLang="en-US"/>
+          </a:p>
+        </p:txBody>
+      </p:sp>
+      <p:sp>
+        <p:nvSpPr>
+          <p:cNvPr id="34" name="弧形 33">
+            <a:extLst>
+              <a:ext uri="{FF2B5EF4-FFF2-40B4-BE49-F238E27FC236}">
+                <a16:creationId xmlns:a16="http://schemas.microsoft.com/office/drawing/2014/main" id="{E9CB726F-7520-4726-BF6A-79B950031816}"/>
+              </a:ext>
+            </a:extLst>
+          </p:cNvPr>
+          <p:cNvSpPr/>
+          <p:nvPr/>
+        </p:nvSpPr>
+        <p:spPr>
+          <a:xfrm>
+            <a:off x="7313113" y="6942867"/>
+            <a:ext cx="1296000" cy="1296000"/>
+          </a:xfrm>
+          <a:prstGeom prst="arc">
+            <a:avLst/>
+          </a:prstGeom>
+          <a:ln>
+            <a:solidFill>
+              <a:schemeClr val="bg1"/>
+            </a:solidFill>
+          </a:ln>
+        </p:spPr>
+        <p:style>
+          <a:lnRef idx="1">
+            <a:schemeClr val="accent1"/>
+          </a:lnRef>
+          <a:fillRef idx="0">
+            <a:schemeClr val="accent1"/>
+          </a:fillRef>
+          <a:effectRef idx="0">
+            <a:schemeClr val="accent1"/>
+          </a:effectRef>
+          <a:fontRef idx="minor">
+            <a:schemeClr val="tx1"/>
+          </a:fontRef>
+        </p:style>
+        <p:txBody>
+          <a:bodyPr rtlCol="0" anchor="ctr"/>
+          <a:lstStyle/>
+          <a:p>
+            <a:pPr algn="ctr"/>
+            <a:endParaRPr lang="zh-CN" altLang="en-US"/>
+          </a:p>
+        </p:txBody>
+      </p:sp>
+      <p:sp>
+        <p:nvSpPr>
+          <p:cNvPr id="35" name="弧形 34">
+            <a:extLst>
+              <a:ext uri="{FF2B5EF4-FFF2-40B4-BE49-F238E27FC236}">
+                <a16:creationId xmlns:a16="http://schemas.microsoft.com/office/drawing/2014/main" id="{E6CBE8C3-5C1B-4756-9C81-A46225B11E21}"/>
+              </a:ext>
+            </a:extLst>
+          </p:cNvPr>
+          <p:cNvSpPr/>
+          <p:nvPr/>
+        </p:nvSpPr>
+        <p:spPr>
+          <a:xfrm rot="10800000">
+            <a:off x="8969113" y="6258867"/>
+            <a:ext cx="1296000" cy="1296000"/>
+          </a:xfrm>
+          <a:prstGeom prst="arc">
+            <a:avLst/>
+          </a:prstGeom>
+          <a:ln>
+            <a:solidFill>
+              <a:schemeClr val="bg1"/>
+            </a:solidFill>
+          </a:ln>
+        </p:spPr>
+        <p:style>
+          <a:lnRef idx="1">
+            <a:schemeClr val="accent1"/>
+          </a:lnRef>
+          <a:fillRef idx="0">
+            <a:schemeClr val="accent1"/>
+          </a:fillRef>
+          <a:effectRef idx="0">
+            <a:schemeClr val="accent1"/>
+          </a:effectRef>
+          <a:fontRef idx="minor">
+            <a:schemeClr val="tx1"/>
+          </a:fontRef>
+        </p:style>
+        <p:txBody>
+          <a:bodyPr rtlCol="0" anchor="ctr"/>
+          <a:lstStyle/>
+          <a:p>
+            <a:pPr algn="ctr"/>
+            <a:endParaRPr lang="zh-CN" altLang="en-US"/>
+          </a:p>
+        </p:txBody>
+      </p:sp>
+      <p:grpSp>
+        <p:nvGrpSpPr>
+          <p:cNvPr id="44" name="组合 43">
+            <a:extLst>
+              <a:ext uri="{FF2B5EF4-FFF2-40B4-BE49-F238E27FC236}">
+                <a16:creationId xmlns:a16="http://schemas.microsoft.com/office/drawing/2014/main" id="{4EF68F8F-CD6C-45B9-8A16-92AFE371ADB8}"/>
+              </a:ext>
+            </a:extLst>
+          </p:cNvPr>
+          <p:cNvGrpSpPr/>
+          <p:nvPr/>
+        </p:nvGrpSpPr>
+        <p:grpSpPr>
+          <a:xfrm>
+            <a:off x="12535226" y="5188765"/>
+            <a:ext cx="5755310" cy="6100204"/>
+            <a:chOff x="12989890" y="5263463"/>
+            <a:chExt cx="5755310" cy="6100204"/>
+          </a:xfrm>
+        </p:grpSpPr>
+        <p:grpSp>
+          <p:nvGrpSpPr>
+            <p:cNvPr id="40" name="组合 39">
+              <a:extLst>
+                <a:ext uri="{FF2B5EF4-FFF2-40B4-BE49-F238E27FC236}">
+                  <a16:creationId xmlns:a16="http://schemas.microsoft.com/office/drawing/2014/main" id="{062378B7-1034-4B38-930E-07BE16CAE3C3}"/>
+                </a:ext>
+              </a:extLst>
+            </p:cNvPr>
+            <p:cNvGrpSpPr/>
+            <p:nvPr/>
+          </p:nvGrpSpPr>
+          <p:grpSpPr>
+            <a:xfrm>
+              <a:off x="12989890" y="6507560"/>
+              <a:ext cx="5755310" cy="4856107"/>
+              <a:chOff x="12989890" y="6507560"/>
+              <a:chExt cx="5755310" cy="4856107"/>
+            </a:xfrm>
+          </p:grpSpPr>
+          <p:sp>
+            <p:nvSpPr>
+              <p:cNvPr id="27" name="椭圆 26">
+                <a:extLst>
+                  <a:ext uri="{FF2B5EF4-FFF2-40B4-BE49-F238E27FC236}">
+                    <a16:creationId xmlns:a16="http://schemas.microsoft.com/office/drawing/2014/main" id="{63B9B931-19FA-4A4A-8997-89C42444972D}"/>
+                  </a:ext>
+                </a:extLst>
+              </p:cNvPr>
+              <p:cNvSpPr/>
+              <p:nvPr/>
+            </p:nvSpPr>
+            <p:spPr>
+              <a:xfrm>
+                <a:off x="14287500" y="6507560"/>
+                <a:ext cx="4457700" cy="4457700"/>
+              </a:xfrm>
+              <a:prstGeom prst="ellipse">
+                <a:avLst/>
+              </a:prstGeom>
+              <a:solidFill>
+                <a:srgbClr val="73D49F">
+                  <a:alpha val="55000"/>
+                </a:srgbClr>
+              </a:solidFill>
+              <a:ln>
+                <a:noFill/>
+              </a:ln>
+            </p:spPr>
+            <p:style>
+              <a:lnRef idx="2">
+                <a:schemeClr val="accent1">
+                  <a:shade val="50000"/>
+                </a:schemeClr>
+              </a:lnRef>
+              <a:fillRef idx="1">
+                <a:schemeClr val="accent1"/>
+              </a:fillRef>
+              <a:effectRef idx="0">
+                <a:schemeClr val="accent1"/>
+              </a:effectRef>
+              <a:fontRef idx="minor">
+                <a:schemeClr val="lt1"/>
+              </a:fontRef>
+            </p:style>
+            <p:txBody>
+              <a:bodyPr rtlCol="0" anchor="ctr"/>
+              <a:lstStyle/>
+              <a:p>
+                <a:pPr algn="ctr"/>
+                <a:endParaRPr lang="zh-CN" altLang="en-US"/>
+              </a:p>
+            </p:txBody>
+          </p:sp>
+          <p:sp>
+            <p:nvSpPr>
+              <p:cNvPr id="36" name="弧形 35">
+                <a:extLst>
+                  <a:ext uri="{FF2B5EF4-FFF2-40B4-BE49-F238E27FC236}">
+                    <a16:creationId xmlns:a16="http://schemas.microsoft.com/office/drawing/2014/main" id="{A327CE69-606C-4554-8B85-97921AAAD2EB}"/>
+                  </a:ext>
+                </a:extLst>
+              </p:cNvPr>
+              <p:cNvSpPr/>
+              <p:nvPr/>
+            </p:nvSpPr>
+            <p:spPr>
+              <a:xfrm>
+                <a:off x="12989890" y="6906867"/>
+                <a:ext cx="4456800" cy="4456800"/>
+              </a:xfrm>
+              <a:prstGeom prst="arc">
+                <a:avLst>
+                  <a:gd name="adj1" fmla="val 16200000"/>
+                  <a:gd name="adj2" fmla="val 3263546"/>
+                </a:avLst>
+              </a:prstGeom>
+              <a:ln w="12700">
+                <a:solidFill>
+                  <a:schemeClr val="bg1"/>
+                </a:solidFill>
+              </a:ln>
+            </p:spPr>
+            <p:style>
+              <a:lnRef idx="1">
+                <a:schemeClr val="accent1"/>
+              </a:lnRef>
+              <a:fillRef idx="0">
+                <a:schemeClr val="accent1"/>
+              </a:fillRef>
+              <a:effectRef idx="0">
+                <a:schemeClr val="accent1"/>
+              </a:effectRef>
+              <a:fontRef idx="minor">
+                <a:schemeClr val="tx1"/>
+              </a:fontRef>
+            </p:style>
+            <p:txBody>
+              <a:bodyPr rtlCol="0" anchor="ctr"/>
+              <a:lstStyle/>
+              <a:p>
+                <a:pPr algn="ctr"/>
+                <a:endParaRPr lang="zh-CN" altLang="en-US"/>
+              </a:p>
+            </p:txBody>
+          </p:sp>
+        </p:grpSp>
+        <p:sp>
+          <p:nvSpPr>
+            <p:cNvPr id="37" name="弧形 36">
+              <a:extLst>
+                <a:ext uri="{FF2B5EF4-FFF2-40B4-BE49-F238E27FC236}">
+                  <a16:creationId xmlns:a16="http://schemas.microsoft.com/office/drawing/2014/main" id="{B47E9328-C166-4E80-9DA7-9AC23822C801}"/>
+                </a:ext>
+              </a:extLst>
+            </p:cNvPr>
+            <p:cNvSpPr/>
+            <p:nvPr/>
+          </p:nvSpPr>
+          <p:spPr>
+            <a:xfrm rot="5400000">
+              <a:off x="13880900" y="5263463"/>
+              <a:ext cx="4456800" cy="4456800"/>
+            </a:xfrm>
+            <a:prstGeom prst="arc">
+              <a:avLst>
+                <a:gd name="adj1" fmla="val 16200000"/>
+                <a:gd name="adj2" fmla="val 3263546"/>
+              </a:avLst>
+            </a:prstGeom>
+            <a:ln w="12700">
+              <a:solidFill>
+                <a:schemeClr val="bg1"/>
+              </a:solidFill>
+            </a:ln>
+          </p:spPr>
+          <p:style>
+            <a:lnRef idx="1">
+              <a:schemeClr val="accent1"/>
+            </a:lnRef>
+            <a:fillRef idx="0">
+              <a:schemeClr val="accent1"/>
+            </a:fillRef>
+            <a:effectRef idx="0">
+              <a:schemeClr val="accent1"/>
+            </a:effectRef>
+            <a:fontRef idx="minor">
+              <a:schemeClr val="tx1"/>
+            </a:fontRef>
+          </p:style>
+          <p:txBody>
+            <a:bodyPr rtlCol="0" anchor="ctr"/>
+            <a:lstStyle/>
+            <a:p>
+              <a:pPr algn="ctr"/>
+              <a:endParaRPr lang="zh-CN" altLang="en-US"/>
+            </a:p>
+          </p:txBody>
+        </p:sp>
+      </p:grpSp>
+      <p:sp>
+        <p:nvSpPr>
+          <p:cNvPr id="38" name="文本框 37">
+            <a:extLst>
+              <a:ext uri="{FF2B5EF4-FFF2-40B4-BE49-F238E27FC236}">
+                <a16:creationId xmlns:a16="http://schemas.microsoft.com/office/drawing/2014/main" id="{FB44A0CE-375F-4F65-917A-DF2CEB6755CE}"/>
+              </a:ext>
+            </a:extLst>
+          </p:cNvPr>
+          <p:cNvSpPr txBox="1"/>
+          <p:nvPr/>
+        </p:nvSpPr>
+        <p:spPr>
+          <a:xfrm>
+            <a:off x="2582890" y="4190931"/>
+            <a:ext cx="1128932" cy="542136"/>
+          </a:xfrm>
+          <a:prstGeom prst="rect">
+            <a:avLst/>
+          </a:prstGeom>
+          <a:solidFill>
+            <a:srgbClr val="00B050">
+              <a:alpha val="65000"/>
+            </a:srgbClr>
+          </a:solidFill>
+        </p:spPr>
+        <p:txBody>
+          <a:bodyPr wrap="square" rtlCol="0">
+            <a:spAutoFit/>
+          </a:bodyPr>
+          <a:lstStyle/>
+          <a:p>
+            <a:pPr algn="dist">
+              <a:lnSpc>
+                <a:spcPct val="130000"/>
+              </a:lnSpc>
+            </a:pPr>
+            <a:r>
+              <a:rPr lang="zh-CN" altLang="en-US" sz="2400" dirty="0">
+                <a:solidFill>
+                  <a:schemeClr val="bg1"/>
+                </a:solidFill>
+                <a:latin typeface="苹方-简" panose="020B0400000000000000" pitchFamily="34" charset="-128"/>
+                <a:ea typeface="苹方-简" panose="020B0400000000000000" pitchFamily="34" charset="-128"/>
+              </a:rPr>
+              <a:t>谢伟</a:t>
+            </a:r>
+          </a:p>
+        </p:txBody>
+      </p:sp>
+      <p:grpSp>
+        <p:nvGrpSpPr>
+          <p:cNvPr id="45" name="组合 44">
+            <a:extLst>
+              <a:ext uri="{FF2B5EF4-FFF2-40B4-BE49-F238E27FC236}">
+                <a16:creationId xmlns:a16="http://schemas.microsoft.com/office/drawing/2014/main" id="{FD4FA795-6943-4F2D-A3F4-4133A4A8D07E}"/>
+              </a:ext>
+            </a:extLst>
+          </p:cNvPr>
+          <p:cNvGrpSpPr/>
+          <p:nvPr/>
+        </p:nvGrpSpPr>
+        <p:grpSpPr>
+          <a:xfrm>
+            <a:off x="-3935417" y="-2392906"/>
+            <a:ext cx="5755310" cy="6100204"/>
+            <a:chOff x="12989890" y="5263463"/>
+            <a:chExt cx="5755310" cy="6100204"/>
+          </a:xfrm>
+        </p:grpSpPr>
+        <p:grpSp>
+          <p:nvGrpSpPr>
+            <p:cNvPr id="46" name="组合 45">
+              <a:extLst>
+                <a:ext uri="{FF2B5EF4-FFF2-40B4-BE49-F238E27FC236}">
+                  <a16:creationId xmlns:a16="http://schemas.microsoft.com/office/drawing/2014/main" id="{471A8E54-63AE-41EA-9445-DA069BC0754C}"/>
+                </a:ext>
+              </a:extLst>
+            </p:cNvPr>
+            <p:cNvGrpSpPr/>
+            <p:nvPr/>
+          </p:nvGrpSpPr>
+          <p:grpSpPr>
+            <a:xfrm>
+              <a:off x="12989890" y="6507560"/>
+              <a:ext cx="5755310" cy="4856107"/>
+              <a:chOff x="12989890" y="6507560"/>
+              <a:chExt cx="5755310" cy="4856107"/>
+            </a:xfrm>
+          </p:grpSpPr>
+          <p:sp>
+            <p:nvSpPr>
+              <p:cNvPr id="48" name="椭圆 47">
+                <a:extLst>
+                  <a:ext uri="{FF2B5EF4-FFF2-40B4-BE49-F238E27FC236}">
+                    <a16:creationId xmlns:a16="http://schemas.microsoft.com/office/drawing/2014/main" id="{9D6BBD8F-86CC-4DCF-AA92-C9B4D5085BAB}"/>
+                  </a:ext>
+                </a:extLst>
+              </p:cNvPr>
+              <p:cNvSpPr/>
+              <p:nvPr/>
+            </p:nvSpPr>
+            <p:spPr>
+              <a:xfrm>
+                <a:off x="14287500" y="6507560"/>
+                <a:ext cx="4457700" cy="4457700"/>
+              </a:xfrm>
+              <a:prstGeom prst="ellipse">
+                <a:avLst/>
+              </a:prstGeom>
+              <a:solidFill>
+                <a:srgbClr val="73D49F">
+                  <a:alpha val="55000"/>
+                </a:srgbClr>
+              </a:solidFill>
+              <a:ln>
+                <a:noFill/>
+              </a:ln>
+            </p:spPr>
+            <p:style>
+              <a:lnRef idx="2">
+                <a:schemeClr val="accent1">
+                  <a:shade val="50000"/>
+                </a:schemeClr>
+              </a:lnRef>
+              <a:fillRef idx="1">
+                <a:schemeClr val="accent1"/>
+              </a:fillRef>
+              <a:effectRef idx="0">
+                <a:schemeClr val="accent1"/>
+              </a:effectRef>
+              <a:fontRef idx="minor">
+                <a:schemeClr val="lt1"/>
+              </a:fontRef>
+            </p:style>
+            <p:txBody>
+              <a:bodyPr rtlCol="0" anchor="ctr"/>
+              <a:lstStyle/>
+              <a:p>
+                <a:pPr algn="ctr"/>
+                <a:endParaRPr lang="zh-CN" altLang="en-US"/>
+              </a:p>
+            </p:txBody>
+          </p:sp>
+          <p:sp>
+            <p:nvSpPr>
+              <p:cNvPr id="49" name="弧形 48">
+                <a:extLst>
+                  <a:ext uri="{FF2B5EF4-FFF2-40B4-BE49-F238E27FC236}">
+                    <a16:creationId xmlns:a16="http://schemas.microsoft.com/office/drawing/2014/main" id="{96EAE3D3-7B8E-4E17-950B-81AF4FC2B85B}"/>
+                  </a:ext>
+                </a:extLst>
+              </p:cNvPr>
+              <p:cNvSpPr/>
+              <p:nvPr/>
+            </p:nvSpPr>
+            <p:spPr>
+              <a:xfrm>
+                <a:off x="12989890" y="6906867"/>
+                <a:ext cx="4456800" cy="4456800"/>
+              </a:xfrm>
+              <a:prstGeom prst="arc">
+                <a:avLst>
+                  <a:gd name="adj1" fmla="val 16200000"/>
+                  <a:gd name="adj2" fmla="val 3263546"/>
+                </a:avLst>
+              </a:prstGeom>
+              <a:ln w="12700">
+                <a:solidFill>
+                  <a:schemeClr val="bg1"/>
+                </a:solidFill>
+              </a:ln>
+            </p:spPr>
+            <p:style>
+              <a:lnRef idx="1">
+                <a:schemeClr val="accent1"/>
+              </a:lnRef>
+              <a:fillRef idx="0">
+                <a:schemeClr val="accent1"/>
+              </a:fillRef>
+              <a:effectRef idx="0">
+                <a:schemeClr val="accent1"/>
+              </a:effectRef>
+              <a:fontRef idx="minor">
+                <a:schemeClr val="tx1"/>
+              </a:fontRef>
+            </p:style>
+            <p:txBody>
+              <a:bodyPr rtlCol="0" anchor="ctr"/>
+              <a:lstStyle/>
+              <a:p>
+                <a:pPr algn="ctr"/>
+                <a:endParaRPr lang="zh-CN" altLang="en-US"/>
+              </a:p>
+            </p:txBody>
+          </p:sp>
+        </p:grpSp>
+        <p:sp>
+          <p:nvSpPr>
+            <p:cNvPr id="47" name="弧形 46">
+              <a:extLst>
+                <a:ext uri="{FF2B5EF4-FFF2-40B4-BE49-F238E27FC236}">
+                  <a16:creationId xmlns:a16="http://schemas.microsoft.com/office/drawing/2014/main" id="{416FBACE-4518-4125-B2C3-9D0B025160AC}"/>
+                </a:ext>
+              </a:extLst>
+            </p:cNvPr>
+            <p:cNvSpPr/>
+            <p:nvPr/>
+          </p:nvSpPr>
+          <p:spPr>
+            <a:xfrm rot="5400000">
+              <a:off x="13880900" y="5263463"/>
+              <a:ext cx="4456800" cy="4456800"/>
+            </a:xfrm>
+            <a:prstGeom prst="arc">
+              <a:avLst>
+                <a:gd name="adj1" fmla="val 16200000"/>
+                <a:gd name="adj2" fmla="val 3263546"/>
+              </a:avLst>
+            </a:prstGeom>
+            <a:ln w="12700">
+              <a:solidFill>
+                <a:schemeClr val="bg1"/>
+              </a:solidFill>
+            </a:ln>
+          </p:spPr>
+          <p:style>
+            <a:lnRef idx="1">
+              <a:schemeClr val="accent1"/>
+            </a:lnRef>
+            <a:fillRef idx="0">
+              <a:schemeClr val="accent1"/>
+            </a:fillRef>
+            <a:effectRef idx="0">
+              <a:schemeClr val="accent1"/>
+            </a:effectRef>
+            <a:fontRef idx="minor">
+              <a:schemeClr val="tx1"/>
+            </a:fontRef>
+          </p:style>
+          <p:txBody>
+            <a:bodyPr rtlCol="0" anchor="ctr"/>
+            <a:lstStyle/>
+            <a:p>
+              <a:pPr algn="ctr"/>
+              <a:endParaRPr lang="zh-CN" altLang="en-US"/>
+            </a:p>
+          </p:txBody>
+        </p:sp>
+      </p:grpSp>
+    </p:spTree>
+    <p:extLst>
+      <p:ext uri="{BB962C8B-B14F-4D97-AF65-F5344CB8AC3E}">
+        <p14:creationId xmlns:p14="http://schemas.microsoft.com/office/powerpoint/2010/main" val="520751930"/>
+      </p:ext>
+    </p:extLst>
+  </p:cSld>
+  <p:clrMapOvr>
+    <a:masterClrMapping/>
+  </p:clrMapOvr>
+</p:sld>
+</file>
+
+<file path=ppt/slides/slide4.xml><?xml version="1.0" encoding="utf-8"?>
 <p:sld xmlns:a="http://schemas.openxmlformats.org/drawingml/2006/main" xmlns:r="http://schemas.openxmlformats.org/officeDocument/2006/relationships" xmlns:p="http://schemas.openxmlformats.org/presentationml/2006/main">
   <p:cSld>
     <p:bg>
@@ -5570,7 +7111,7 @@
 </p:sld>
 </file>
 
-<file path=ppt/slides/slide3.xml><?xml version="1.0" encoding="utf-8"?>
+<file path=ppt/slides/slide5.xml><?xml version="1.0" encoding="utf-8"?>
 <p:sld xmlns:a="http://schemas.openxmlformats.org/drawingml/2006/main" xmlns:r="http://schemas.openxmlformats.org/officeDocument/2006/relationships" xmlns:p="http://schemas.openxmlformats.org/presentationml/2006/main">
   <p:cSld>
     <p:bg>
